--- a/static/PresentationThemes/Futuristic.pptx
+++ b/static/PresentationThemes/Futuristic.pptx
@@ -11,7 +11,7 @@
     <p:handoutMasterId r:id="rId7"/>
   </p:handoutMasterIdLst>
   <p:sldIdLst>
-    <p:sldId id="256" r:id="rId5"/>
+    <p:sldId id="257" r:id="rId5"/>
   </p:sldIdLst>
   <p:sldSz cx="12192000" cy="6858000"/>
   <p:notesSz cx="6858000" cy="9144000"/>
@@ -228,7 +228,7 @@
             <a:pPr rtl="0"/>
             <a:fld id="{3DDCF792-443A-4FD0-A3DA-4FCF2F6D7B8C}" type="datetime1">
               <a:rPr lang="en-GB" smtClean="0"/>
-              <a:t>10/02/2024</a:t>
+              <a:t>17/03/2024</a:t>
             </a:fld>
             <a:endParaRPr lang="en-GB"/>
           </a:p>
@@ -410,7 +410,7 @@
             <a:pPr rtl="0"/>
             <a:fld id="{DB43CD2B-A33A-4AAA-A84D-C16DCF3ADE3E}" type="datetime1">
               <a:rPr lang="en-GB" noProof="0" smtClean="0"/>
-              <a:t>10/02/2024</a:t>
+              <a:t>17/03/2024</a:t>
             </a:fld>
             <a:endParaRPr lang="en-GB" noProof="0"/>
           </a:p>
@@ -681,92 +681,6 @@
 </p:notesMaster>
 </file>
 
-<file path=ppt/notesSlides/notesSlide1.xml><?xml version="1.0" encoding="utf-8"?>
-<p:notes xmlns:a="http://schemas.openxmlformats.org/drawingml/2006/main" xmlns:r="http://schemas.openxmlformats.org/officeDocument/2006/relationships" xmlns:p="http://schemas.openxmlformats.org/presentationml/2006/main">
-  <p:cSld>
-    <p:spTree>
-      <p:nvGrpSpPr>
-        <p:cNvPr id="1" name=""/>
-        <p:cNvGrpSpPr/>
-        <p:nvPr/>
-      </p:nvGrpSpPr>
-      <p:grpSpPr>
-        <a:xfrm>
-          <a:off x="0" y="0"/>
-          <a:ext cx="0" cy="0"/>
-          <a:chOff x="0" y="0"/>
-          <a:chExt cx="0" cy="0"/>
-        </a:xfrm>
-      </p:grpSpPr>
-      <p:sp>
-        <p:nvSpPr>
-          <p:cNvPr id="2" name="Slide Image Placeholder 1"/>
-          <p:cNvSpPr>
-            <a:spLocks noGrp="1" noRot="1" noChangeAspect="1"/>
-          </p:cNvSpPr>
-          <p:nvPr>
-            <p:ph type="sldImg"/>
-          </p:nvPr>
-        </p:nvSpPr>
-        <p:spPr/>
-      </p:sp>
-      <p:sp>
-        <p:nvSpPr>
-          <p:cNvPr id="3" name="Notes Placeholder 2"/>
-          <p:cNvSpPr>
-            <a:spLocks noGrp="1"/>
-          </p:cNvSpPr>
-          <p:nvPr>
-            <p:ph type="body" idx="1"/>
-          </p:nvPr>
-        </p:nvSpPr>
-        <p:spPr/>
-        <p:txBody>
-          <a:bodyPr rtlCol="0"/>
-          <a:lstStyle/>
-          <a:p>
-            <a:pPr rtl="0"/>
-            <a:endParaRPr lang="en-GB"/>
-          </a:p>
-        </p:txBody>
-      </p:sp>
-      <p:sp>
-        <p:nvSpPr>
-          <p:cNvPr id="4" name="Slide Number Placeholder 3"/>
-          <p:cNvSpPr>
-            <a:spLocks noGrp="1"/>
-          </p:cNvSpPr>
-          <p:nvPr>
-            <p:ph type="sldNum" sz="quarter" idx="5"/>
-          </p:nvPr>
-        </p:nvSpPr>
-        <p:spPr/>
-        <p:txBody>
-          <a:bodyPr rtlCol="0"/>
-          <a:lstStyle/>
-          <a:p>
-            <a:pPr rtl="0"/>
-            <a:fld id="{F3544625-0ADF-4414-89A2-9E135F0C849F}" type="slidenum">
-              <a:rPr lang="en-GB" smtClean="0"/>
-              <a:t>1</a:t>
-            </a:fld>
-            <a:endParaRPr lang="en-GB"/>
-          </a:p>
-        </p:txBody>
-      </p:sp>
-    </p:spTree>
-    <p:extLst>
-      <p:ext uri="{BB962C8B-B14F-4D97-AF65-F5344CB8AC3E}">
-        <p14:creationId xmlns:p14="http://schemas.microsoft.com/office/powerpoint/2010/main" val="3749808639"/>
-      </p:ext>
-    </p:extLst>
-  </p:cSld>
-  <p:clrMapOvr>
-    <a:masterClrMapping/>
-  </p:clrMapOvr>
-</p:notes>
-</file>
-
 <file path=ppt/slideLayouts/slideLayout1.xml><?xml version="1.0" encoding="utf-8"?>
 <p:sldLayout xmlns:a="http://schemas.openxmlformats.org/drawingml/2006/main" xmlns:r="http://schemas.openxmlformats.org/officeDocument/2006/relationships" xmlns:p="http://schemas.openxmlformats.org/presentationml/2006/main" type="title" preserve="1">
   <p:cSld name="Title Slide">
@@ -999,7 +913,7 @@
             <a:pPr rtl="0"/>
             <a:fld id="{0FFC8AD5-C329-496E-BCF2-0809D6F0CB50}" type="datetime1">
               <a:rPr lang="en-GB" noProof="0" smtClean="0"/>
-              <a:t>10/02/2024</a:t>
+              <a:t>17/03/2024</a:t>
             </a:fld>
             <a:endParaRPr lang="en-GB" noProof="0"/>
           </a:p>
@@ -1339,7 +1253,7 @@
             <a:pPr rtl="0"/>
             <a:fld id="{F1C00C0C-C787-4DA0-BB15-BE1D54FC3869}" type="datetime1">
               <a:rPr lang="en-GB" noProof="0" smtClean="0"/>
-              <a:t>10/02/2024</a:t>
+              <a:t>17/03/2024</a:t>
             </a:fld>
             <a:endParaRPr lang="en-GB" noProof="0"/>
           </a:p>
@@ -1622,7 +1536,7 @@
             <a:pPr rtl="0"/>
             <a:fld id="{33DDE387-76E6-446C-B829-0E8C0B174171}" type="datetime1">
               <a:rPr lang="en-GB" noProof="0" smtClean="0"/>
-              <a:t>10/02/2024</a:t>
+              <a:t>17/03/2024</a:t>
             </a:fld>
             <a:endParaRPr lang="en-GB" noProof="0"/>
           </a:p>
@@ -2195,7 +2109,7 @@
             <a:pPr rtl="0"/>
             <a:fld id="{837AB58A-57FF-4885-9B0C-FF8F5F32457E}" type="datetime1">
               <a:rPr lang="en-GB" noProof="0" smtClean="0"/>
-              <a:t>10/02/2024</a:t>
+              <a:t>17/03/2024</a:t>
             </a:fld>
             <a:endParaRPr lang="en-GB" noProof="0"/>
           </a:p>
@@ -2478,7 +2392,7 @@
             <a:pPr rtl="0"/>
             <a:fld id="{38A785A2-83F3-4CC3-B704-C68E8AAE5F3A}" type="datetime1">
               <a:rPr lang="en-GB" noProof="0" smtClean="0"/>
-              <a:t>10/02/2024</a:t>
+              <a:t>17/03/2024</a:t>
             </a:fld>
             <a:endParaRPr lang="en-GB" noProof="0"/>
           </a:p>
@@ -3045,7 +2959,7 @@
             <a:pPr rtl="0"/>
             <a:fld id="{8D0BED67-9580-4FA4-97B5-A5E195D81A53}" type="datetime1">
               <a:rPr lang="en-GB" noProof="0" smtClean="0"/>
-              <a:t>10/02/2024</a:t>
+              <a:t>17/03/2024</a:t>
             </a:fld>
             <a:endParaRPr lang="en-GB" noProof="0"/>
           </a:p>
@@ -3376,7 +3290,7 @@
             <a:pPr rtl="0"/>
             <a:fld id="{DF395BDA-398D-4375-9019-3BEC1D10FCE9}" type="datetime1">
               <a:rPr lang="en-GB" noProof="0" smtClean="0"/>
-              <a:t>10/02/2024</a:t>
+              <a:t>17/03/2024</a:t>
             </a:fld>
             <a:endParaRPr lang="en-GB" noProof="0"/>
           </a:p>
@@ -3586,7 +3500,7 @@
             <a:pPr rtl="0"/>
             <a:fld id="{B905BF75-B0B2-4A51-B3DF-71D3D1F6D1F8}" type="datetime1">
               <a:rPr lang="en-GB" noProof="0" smtClean="0"/>
-              <a:t>10/02/2024</a:t>
+              <a:t>17/03/2024</a:t>
             </a:fld>
             <a:endParaRPr lang="en-GB" noProof="0"/>
           </a:p>
@@ -3800,7 +3714,7 @@
             <a:pPr rtl="0"/>
             <a:fld id="{E4C1748C-E82D-495B-8EBF-8E1A8947A970}" type="datetime1">
               <a:rPr lang="en-GB" noProof="0" smtClean="0"/>
-              <a:t>10/02/2024</a:t>
+              <a:t>17/03/2024</a:t>
             </a:fld>
             <a:endParaRPr lang="en-GB" noProof="0"/>
           </a:p>
@@ -4004,7 +3918,7 @@
             <a:pPr rtl="0"/>
             <a:fld id="{4E21552F-1D3E-440B-BB48-D8CC39A7FE39}" type="datetime1">
               <a:rPr lang="en-GB" noProof="0" smtClean="0"/>
-              <a:t>10/02/2024</a:t>
+              <a:t>17/03/2024</a:t>
             </a:fld>
             <a:endParaRPr lang="en-GB" noProof="0"/>
           </a:p>
@@ -4284,7 +4198,7 @@
             <a:pPr rtl="0"/>
             <a:fld id="{2D68592E-0D2E-4227-812D-A1AF6778D95B}" type="datetime1">
               <a:rPr lang="en-GB" noProof="0" smtClean="0"/>
-              <a:t>10/02/2024</a:t>
+              <a:t>17/03/2024</a:t>
             </a:fld>
             <a:endParaRPr lang="en-GB" noProof="0"/>
           </a:p>
@@ -4555,7 +4469,7 @@
             <a:pPr rtl="0"/>
             <a:fld id="{092D208F-547B-4225-8D99-14EFAE09E88A}" type="datetime1">
               <a:rPr lang="en-GB" noProof="0" smtClean="0"/>
-              <a:t>10/02/2024</a:t>
+              <a:t>17/03/2024</a:t>
             </a:fld>
             <a:endParaRPr lang="en-GB" noProof="0"/>
           </a:p>
@@ -4933,7 +4847,7 @@
             <a:pPr rtl="0"/>
             <a:fld id="{B5A6E6B8-C81E-44CD-94D7-562E9A9CC48B}" type="datetime1">
               <a:rPr lang="en-GB" noProof="0" smtClean="0"/>
-              <a:t>10/02/2024</a:t>
+              <a:t>17/03/2024</a:t>
             </a:fld>
             <a:endParaRPr lang="en-GB" noProof="0"/>
           </a:p>
@@ -5085,7 +4999,7 @@
             <a:pPr rtl="0"/>
             <a:fld id="{C96D41C0-1FE7-4365-8105-6573436B100F}" type="datetime1">
               <a:rPr lang="en-GB" noProof="0" smtClean="0"/>
-              <a:t>10/02/2024</a:t>
+              <a:t>17/03/2024</a:t>
             </a:fld>
             <a:endParaRPr lang="en-GB" noProof="0"/>
           </a:p>
@@ -5213,7 +5127,7 @@
             <a:pPr rtl="0"/>
             <a:fld id="{C0040549-EBD3-46A8-BBE1-B0D6DAD810D6}" type="datetime1">
               <a:rPr lang="en-GB" noProof="0" smtClean="0"/>
-              <a:t>10/02/2024</a:t>
+              <a:t>17/03/2024</a:t>
             </a:fld>
             <a:endParaRPr lang="en-GB" noProof="0"/>
           </a:p>
@@ -5502,7 +5416,7 @@
             <a:pPr rtl="0"/>
             <a:fld id="{D034A7B0-A803-48EB-B928-17C9778CB737}" type="datetime1">
               <a:rPr lang="en-GB" noProof="0" smtClean="0"/>
-              <a:t>10/02/2024</a:t>
+              <a:t>17/03/2024</a:t>
             </a:fld>
             <a:endParaRPr lang="en-GB" noProof="0"/>
           </a:p>
@@ -5832,7 +5746,7 @@
             <a:pPr rtl="0"/>
             <a:fld id="{A5E0C383-5762-4350-8B0C-BBD7EEB87FEC}" type="datetime1">
               <a:rPr lang="en-GB" noProof="0" smtClean="0"/>
-              <a:t>10/02/2024</a:t>
+              <a:t>17/03/2024</a:t>
             </a:fld>
             <a:endParaRPr lang="en-GB" noProof="0"/>
           </a:p>
@@ -6050,7 +5964,7 @@
             <a:pPr rtl="0"/>
             <a:fld id="{48760432-64E1-492A-A99A-DD20BDEC9669}" type="datetime1">
               <a:rPr lang="en-GB" noProof="0" smtClean="0"/>
-              <a:t>10/02/2024</a:t>
+              <a:t>17/03/2024</a:t>
             </a:fld>
             <a:endParaRPr lang="en-GB" noProof="0"/>
           </a:p>
@@ -6572,46 +6486,60 @@
           <a:chExt cx="0" cy="0"/>
         </a:xfrm>
       </p:grpSpPr>
-      <p:pic>
-        <p:nvPicPr>
-          <p:cNvPr id="5" name="Picture 4" descr="night sky with mountains far away on the horizon">
+      <p:sp>
+        <p:nvSpPr>
+          <p:cNvPr id="2" name="Title 1">
             <a:extLst>
               <a:ext uri="{FF2B5EF4-FFF2-40B4-BE49-F238E27FC236}">
-                <a16:creationId xmlns:a16="http://schemas.microsoft.com/office/drawing/2014/main" id="{7C454B0C-0819-4D56-9275-BCE254DA659D}"/>
+                <a16:creationId xmlns:a16="http://schemas.microsoft.com/office/drawing/2014/main" id="{FC4628A4-6B9E-FD1B-E1A7-67BFE54F5455}"/>
               </a:ext>
             </a:extLst>
           </p:cNvPr>
-          <p:cNvPicPr>
-            <a:picLocks noChangeAspect="1"/>
-          </p:cNvPicPr>
-          <p:nvPr/>
-        </p:nvPicPr>
-        <p:blipFill rotWithShape="1">
-          <a:blip r:embed="rId3">
-            <a:alphaModFix amt="20000"/>
+          <p:cNvSpPr>
+            <a:spLocks noGrp="1"/>
+          </p:cNvSpPr>
+          <p:nvPr>
+            <p:ph type="title"/>
+          </p:nvPr>
+        </p:nvSpPr>
+        <p:spPr/>
+        <p:txBody>
+          <a:bodyPr/>
+          <a:lstStyle/>
+          <a:p>
+            <a:endParaRPr lang="en-GB"/>
+          </a:p>
+        </p:txBody>
+      </p:sp>
+      <p:sp>
+        <p:nvSpPr>
+          <p:cNvPr id="3" name="Content Placeholder 2">
             <a:extLst>
-              <a:ext uri="{28A0092B-C50C-407E-A947-70E740481C1C}">
-                <a14:useLocalDpi xmlns:a14="http://schemas.microsoft.com/office/drawing/2010/main"/>
+              <a:ext uri="{FF2B5EF4-FFF2-40B4-BE49-F238E27FC236}">
+                <a16:creationId xmlns:a16="http://schemas.microsoft.com/office/drawing/2014/main" id="{6FBD6381-3FF5-6B8F-B6D2-E6199D25FD52}"/>
               </a:ext>
             </a:extLst>
-          </a:blip>
-          <a:srcRect/>
-          <a:stretch/>
-        </p:blipFill>
-        <p:spPr>
-          <a:xfrm>
-            <a:off x="20" y="10"/>
-            <a:ext cx="12191980" cy="6857990"/>
-          </a:xfrm>
-          <a:prstGeom prst="rect">
-            <a:avLst/>
-          </a:prstGeom>
-        </p:spPr>
-      </p:pic>
+          </p:cNvPr>
+          <p:cNvSpPr>
+            <a:spLocks noGrp="1"/>
+          </p:cNvSpPr>
+          <p:nvPr>
+            <p:ph idx="1"/>
+          </p:nvPr>
+        </p:nvSpPr>
+        <p:spPr/>
+        <p:txBody>
+          <a:bodyPr/>
+          <a:lstStyle/>
+          <a:p>
+            <a:endParaRPr lang="en-GB"/>
+          </a:p>
+        </p:txBody>
+      </p:sp>
     </p:spTree>
     <p:extLst>
       <p:ext uri="{BB962C8B-B14F-4D97-AF65-F5344CB8AC3E}">
-        <p14:creationId xmlns:p14="http://schemas.microsoft.com/office/powerpoint/2010/main" val="3417721485"/>
+        <p14:creationId xmlns:p14="http://schemas.microsoft.com/office/powerpoint/2010/main" val="537530971"/>
       </p:ext>
     </p:extLst>
   </p:cSld>
@@ -7461,6 +7389,24 @@
 </file>
 
 <file path=customXml/item1.xml><?xml version="1.0" encoding="utf-8"?>
+<?mso-contentType ?>
+<FormTemplates xmlns="http://schemas.microsoft.com/sharepoint/v3/contenttype/forms">
+  <Display>DocumentLibraryForm</Display>
+  <Edit>DocumentLibraryForm</Edit>
+  <New>DocumentLibraryForm</New>
+</FormTemplates>
+</file>
+
+<file path=customXml/item2.xml><?xml version="1.0" encoding="utf-8"?>
+<p:properties xmlns:p="http://schemas.microsoft.com/office/2006/metadata/properties" xmlns:xsi="http://www.w3.org/2001/XMLSchema-instance" xmlns:pc="http://schemas.microsoft.com/office/infopath/2007/PartnerControls">
+  <documentManagement>
+    <Status xmlns="71af3243-3dd4-4a8d-8c0d-dd76da1f02a5">Not started</Status>
+    <MediaServiceKeyPoints xmlns="71af3243-3dd4-4a8d-8c0d-dd76da1f02a5" xsi:nil="true"/>
+  </documentManagement>
+</p:properties>
+</file>
+
+<file path=customXml/item3.xml><?xml version="1.0" encoding="utf-8"?>
 <ct:contentTypeSchema xmlns:ct="http://schemas.microsoft.com/office/2006/metadata/contentType" xmlns:ma="http://schemas.microsoft.com/office/2006/metadata/properties/metaAttributes" ct:_="" ma:_="" ma:contentTypeName="Document" ma:contentTypeID="0x01010079F111ED35F8CC479449609E8A0923A6" ma:contentTypeVersion="12" ma:contentTypeDescription="Create a new document." ma:contentTypeScope="" ma:versionID="93813dd7ca6ad654711aa0ab317e03a3">
   <xsd:schema xmlns:xsd="http://www.w3.org/2001/XMLSchema" xmlns:xs="http://www.w3.org/2001/XMLSchema" xmlns:p="http://schemas.microsoft.com/office/2006/metadata/properties" xmlns:ns2="71af3243-3dd4-4a8d-8c0d-dd76da1f02a5" xmlns:ns3="16c05727-aa75-4e4a-9b5f-8a80a1165891" targetNamespace="http://schemas.microsoft.com/office/2006/metadata/properties" ma:root="true" ma:fieldsID="f11dc0ce689dd3925e84e4e35398c6e7" ns2:_="" ns3:_="">
     <xsd:import namespace="71af3243-3dd4-4a8d-8c0d-dd76da1f02a5"/>
@@ -7681,25 +7627,25 @@
 </ct:contentTypeSchema>
 </file>
 
-<file path=customXml/item2.xml><?xml version="1.0" encoding="utf-8"?>
-<p:properties xmlns:p="http://schemas.microsoft.com/office/2006/metadata/properties" xmlns:xsi="http://www.w3.org/2001/XMLSchema-instance" xmlns:pc="http://schemas.microsoft.com/office/infopath/2007/PartnerControls">
-  <documentManagement>
-    <Status xmlns="71af3243-3dd4-4a8d-8c0d-dd76da1f02a5">Not started</Status>
-    <MediaServiceKeyPoints xmlns="71af3243-3dd4-4a8d-8c0d-dd76da1f02a5" xsi:nil="true"/>
-  </documentManagement>
-</p:properties>
+<file path=customXml/itemProps1.xml><?xml version="1.0" encoding="utf-8"?>
+<ds:datastoreItem xmlns:ds="http://schemas.openxmlformats.org/officeDocument/2006/customXml" ds:itemID="{A0D51BCB-0419-432E-B7F1-25548446A625}">
+  <ds:schemaRefs>
+    <ds:schemaRef ds:uri="http://schemas.microsoft.com/sharepoint/v3/contenttype/forms"/>
+  </ds:schemaRefs>
+</ds:datastoreItem>
 </file>
 
-<file path=customXml/item3.xml><?xml version="1.0" encoding="utf-8"?>
-<?mso-contentType ?>
-<FormTemplates xmlns="http://schemas.microsoft.com/sharepoint/v3/contenttype/forms">
-  <Display>DocumentLibraryForm</Display>
-  <Edit>DocumentLibraryForm</Edit>
-  <New>DocumentLibraryForm</New>
-</FormTemplates>
+<file path=customXml/itemProps2.xml><?xml version="1.0" encoding="utf-8"?>
+<ds:datastoreItem xmlns:ds="http://schemas.openxmlformats.org/officeDocument/2006/customXml" ds:itemID="{1F08B90B-70ED-4539-9C14-FB2728D9064F}">
+  <ds:schemaRefs>
+    <ds:schemaRef ds:uri="http://schemas.microsoft.com/office/2006/metadata/properties"/>
+    <ds:schemaRef ds:uri="http://schemas.microsoft.com/office/infopath/2007/PartnerControls"/>
+    <ds:schemaRef ds:uri="71af3243-3dd4-4a8d-8c0d-dd76da1f02a5"/>
+  </ds:schemaRefs>
+</ds:datastoreItem>
 </file>
 
-<file path=customXml/itemProps1.xml><?xml version="1.0" encoding="utf-8"?>
+<file path=customXml/itemProps3.xml><?xml version="1.0" encoding="utf-8"?>
 <ds:datastoreItem xmlns:ds="http://schemas.openxmlformats.org/officeDocument/2006/customXml" ds:itemID="{9E8D3305-1D9D-4BC8-A40F-6F8AE50BD76B}">
   <ds:schemaRefs>
     <ds:schemaRef ds:uri="http://schemas.microsoft.com/office/2006/metadata/contentType"/>
@@ -7716,22 +7662,4 @@
     <ds:schemaRef ds:uri="http://schemas.microsoft.com/internal/obd"/>
   </ds:schemaRefs>
 </ds:datastoreItem>
-</file>
-
-<file path=customXml/itemProps2.xml><?xml version="1.0" encoding="utf-8"?>
-<ds:datastoreItem xmlns:ds="http://schemas.openxmlformats.org/officeDocument/2006/customXml" ds:itemID="{1F08B90B-70ED-4539-9C14-FB2728D9064F}">
-  <ds:schemaRefs>
-    <ds:schemaRef ds:uri="http://schemas.microsoft.com/office/2006/metadata/properties"/>
-    <ds:schemaRef ds:uri="http://schemas.microsoft.com/office/infopath/2007/PartnerControls"/>
-    <ds:schemaRef ds:uri="71af3243-3dd4-4a8d-8c0d-dd76da1f02a5"/>
-  </ds:schemaRefs>
-</ds:datastoreItem>
-</file>
-
-<file path=customXml/itemProps3.xml><?xml version="1.0" encoding="utf-8"?>
-<ds:datastoreItem xmlns:ds="http://schemas.openxmlformats.org/officeDocument/2006/customXml" ds:itemID="{A0D51BCB-0419-432E-B7F1-25548446A625}">
-  <ds:schemaRefs>
-    <ds:schemaRef ds:uri="http://schemas.microsoft.com/sharepoint/v3/contenttype/forms"/>
-  </ds:schemaRefs>
-</ds:datastoreItem>
 </file>